--- a/original resources/splash.pptx
+++ b/original resources/splash.pptx
@@ -6,6 +6,7 @@
   </p:sldMasterIdLst>
   <p:sldIdLst>
     <p:sldId id="256" r:id="rId2"/>
+    <p:sldId id="257" r:id="rId3"/>
   </p:sldIdLst>
   <p:sldSz cx="9144000" cy="6858000" type="screen4x3"/>
   <p:notesSz cx="6858000" cy="9144000"/>
@@ -104,6 +105,11 @@
       </a:defRPr>
     </a:lvl9pPr>
   </p:defaultTextStyle>
+  <p:extLst>
+    <p:ext uri="{EFAFB233-063F-42B5-8137-9DF3F51BA10A}">
+      <p15:sldGuideLst xmlns:p15="http://schemas.microsoft.com/office/powerpoint/2012/main"/>
+    </p:ext>
+  </p:extLst>
 </p:presentation>
 </file>
 
@@ -332,7 +338,7 @@
             <a:fld id="{B61BEF0D-F0BB-DE4B-95CE-6DB70DBA9567}" type="datetimeFigureOut">
               <a:rPr lang="en-US" smtClean="0"/>
               <a:pPr/>
-              <a:t>4/14/2016</a:t>
+              <a:t>4/18/2016</a:t>
             </a:fld>
             <a:endParaRPr lang="en-US" dirty="0"/>
           </a:p>
@@ -638,7 +644,7 @@
             <a:fld id="{B61BEF0D-F0BB-DE4B-95CE-6DB70DBA9567}" type="datetimeFigureOut">
               <a:rPr lang="en-US" smtClean="0"/>
               <a:pPr/>
-              <a:t>4/14/2016</a:t>
+              <a:t>4/18/2016</a:t>
             </a:fld>
             <a:endParaRPr lang="en-US" dirty="0"/>
           </a:p>
@@ -918,7 +924,7 @@
             <a:fld id="{B61BEF0D-F0BB-DE4B-95CE-6DB70DBA9567}" type="datetimeFigureOut">
               <a:rPr lang="en-US" smtClean="0"/>
               <a:pPr/>
-              <a:t>4/14/2016</a:t>
+              <a:t>4/18/2016</a:t>
             </a:fld>
             <a:endParaRPr lang="en-US" dirty="0"/>
           </a:p>
@@ -1490,7 +1496,7 @@
             <a:fld id="{B61BEF0D-F0BB-DE4B-95CE-6DB70DBA9567}" type="datetimeFigureOut">
               <a:rPr lang="en-US" smtClean="0"/>
               <a:pPr/>
-              <a:t>4/14/2016</a:t>
+              <a:t>4/18/2016</a:t>
             </a:fld>
             <a:endParaRPr lang="en-US" dirty="0"/>
           </a:p>
@@ -1770,7 +1776,7 @@
             <a:fld id="{B61BEF0D-F0BB-DE4B-95CE-6DB70DBA9567}" type="datetimeFigureOut">
               <a:rPr lang="en-US" smtClean="0"/>
               <a:pPr/>
-              <a:t>4/14/2016</a:t>
+              <a:t>4/18/2016</a:t>
             </a:fld>
             <a:endParaRPr lang="en-US" dirty="0"/>
           </a:p>
@@ -2334,7 +2340,7 @@
             <a:fld id="{B61BEF0D-F0BB-DE4B-95CE-6DB70DBA9567}" type="datetimeFigureOut">
               <a:rPr lang="en-US" smtClean="0"/>
               <a:pPr/>
-              <a:t>4/14/2016</a:t>
+              <a:t>4/18/2016</a:t>
             </a:fld>
             <a:endParaRPr lang="en-US" dirty="0"/>
           </a:p>
@@ -2663,7 +2669,7 @@
             <a:fld id="{B61BEF0D-F0BB-DE4B-95CE-6DB70DBA9567}" type="datetimeFigureOut">
               <a:rPr lang="en-US" smtClean="0"/>
               <a:pPr/>
-              <a:t>4/14/2016</a:t>
+              <a:t>4/18/2016</a:t>
             </a:fld>
             <a:endParaRPr lang="en-US" dirty="0"/>
           </a:p>
@@ -2876,7 +2882,7 @@
             <a:fld id="{B61BEF0D-F0BB-DE4B-95CE-6DB70DBA9567}" type="datetimeFigureOut">
               <a:rPr lang="en-US" smtClean="0"/>
               <a:pPr/>
-              <a:t>4/14/2016</a:t>
+              <a:t>4/18/2016</a:t>
             </a:fld>
             <a:endParaRPr lang="en-US" dirty="0"/>
           </a:p>
@@ -3094,7 +3100,7 @@
             <a:fld id="{B61BEF0D-F0BB-DE4B-95CE-6DB70DBA9567}" type="datetimeFigureOut">
               <a:rPr lang="en-US" smtClean="0"/>
               <a:pPr/>
-              <a:t>4/14/2016</a:t>
+              <a:t>4/18/2016</a:t>
             </a:fld>
             <a:endParaRPr lang="en-US" dirty="0"/>
           </a:p>
@@ -3302,7 +3308,7 @@
             <a:fld id="{B61BEF0D-F0BB-DE4B-95CE-6DB70DBA9567}" type="datetimeFigureOut">
               <a:rPr lang="en-US" smtClean="0"/>
               <a:pPr/>
-              <a:t>4/14/2016</a:t>
+              <a:t>4/18/2016</a:t>
             </a:fld>
             <a:endParaRPr lang="en-US" dirty="0"/>
           </a:p>
@@ -3582,7 +3588,7 @@
             <a:fld id="{B61BEF0D-F0BB-DE4B-95CE-6DB70DBA9567}" type="datetimeFigureOut">
               <a:rPr lang="en-US" smtClean="0"/>
               <a:pPr/>
-              <a:t>4/14/2016</a:t>
+              <a:t>4/18/2016</a:t>
             </a:fld>
             <a:endParaRPr lang="en-US" dirty="0"/>
           </a:p>
@@ -3850,7 +3856,7 @@
             <a:fld id="{B61BEF0D-F0BB-DE4B-95CE-6DB70DBA9567}" type="datetimeFigureOut">
               <a:rPr lang="en-US" smtClean="0"/>
               <a:pPr/>
-              <a:t>4/14/2016</a:t>
+              <a:t>4/18/2016</a:t>
             </a:fld>
             <a:endParaRPr lang="en-US" dirty="0"/>
           </a:p>
@@ -4258,7 +4264,7 @@
             <a:fld id="{B61BEF0D-F0BB-DE4B-95CE-6DB70DBA9567}" type="datetimeFigureOut">
               <a:rPr lang="en-US" smtClean="0"/>
               <a:pPr/>
-              <a:t>4/14/2016</a:t>
+              <a:t>4/18/2016</a:t>
             </a:fld>
             <a:endParaRPr lang="en-US" dirty="0"/>
           </a:p>
@@ -4419,7 +4425,7 @@
             <a:fld id="{B61BEF0D-F0BB-DE4B-95CE-6DB70DBA9567}" type="datetimeFigureOut">
               <a:rPr lang="en-US" smtClean="0"/>
               <a:pPr/>
-              <a:t>4/14/2016</a:t>
+              <a:t>4/18/2016</a:t>
             </a:fld>
             <a:endParaRPr lang="en-US" dirty="0"/>
           </a:p>
@@ -4546,7 +4552,7 @@
             <a:fld id="{B61BEF0D-F0BB-DE4B-95CE-6DB70DBA9567}" type="datetimeFigureOut">
               <a:rPr lang="en-US" smtClean="0"/>
               <a:pPr/>
-              <a:t>4/14/2016</a:t>
+              <a:t>4/18/2016</a:t>
             </a:fld>
             <a:endParaRPr lang="en-US" dirty="0"/>
           </a:p>
@@ -4833,7 +4839,7 @@
             <a:fld id="{B61BEF0D-F0BB-DE4B-95CE-6DB70DBA9567}" type="datetimeFigureOut">
               <a:rPr lang="en-US" smtClean="0"/>
               <a:pPr/>
-              <a:t>4/14/2016</a:t>
+              <a:t>4/18/2016</a:t>
             </a:fld>
             <a:endParaRPr lang="en-US" dirty="0"/>
           </a:p>
@@ -5129,7 +5135,7 @@
             <a:fld id="{B61BEF0D-F0BB-DE4B-95CE-6DB70DBA9567}" type="datetimeFigureOut">
               <a:rPr lang="en-US" smtClean="0"/>
               <a:pPr/>
-              <a:t>4/14/2016</a:t>
+              <a:t>4/18/2016</a:t>
             </a:fld>
             <a:endParaRPr lang="en-US" dirty="0"/>
           </a:p>
@@ -5345,7 +5351,7 @@
             <a:fld id="{B61BEF0D-F0BB-DE4B-95CE-6DB70DBA9567}" type="datetimeFigureOut">
               <a:rPr lang="en-US" smtClean="0"/>
               <a:pPr/>
-              <a:t>4/14/2016</a:t>
+              <a:t>4/18/2016</a:t>
             </a:fld>
             <a:endParaRPr lang="en-US" dirty="0"/>
           </a:p>
@@ -5990,6 +5996,111 @@
 </p:sld>
 </file>
 
+<file path=ppt/slides/slide2.xml><?xml version="1.0" encoding="utf-8"?>
+<p:sld xmlns:a="http://schemas.openxmlformats.org/drawingml/2006/main" xmlns:r="http://schemas.openxmlformats.org/officeDocument/2006/relationships" xmlns:p="http://schemas.openxmlformats.org/presentationml/2006/main" showMasterSp="0">
+  <p:cSld>
+    <p:bg>
+      <p:bgPr>
+        <a:solidFill>
+          <a:schemeClr val="tx1"/>
+        </a:solidFill>
+        <a:effectLst/>
+      </p:bgPr>
+    </p:bg>
+    <p:spTree>
+      <p:nvGrpSpPr>
+        <p:cNvPr id="1" name=""/>
+        <p:cNvGrpSpPr/>
+        <p:nvPr/>
+      </p:nvGrpSpPr>
+      <p:grpSpPr>
+        <a:xfrm>
+          <a:off x="0" y="0"/>
+          <a:ext cx="0" cy="0"/>
+          <a:chOff x="0" y="0"/>
+          <a:chExt cx="0" cy="0"/>
+        </a:xfrm>
+      </p:grpSpPr>
+      <p:sp>
+        <p:nvSpPr>
+          <p:cNvPr id="2" name="矩形 1"/>
+          <p:cNvSpPr/>
+          <p:nvPr/>
+        </p:nvSpPr>
+        <p:spPr>
+          <a:xfrm>
+            <a:off x="833084" y="2069271"/>
+            <a:ext cx="5109091" cy="1200329"/>
+          </a:xfrm>
+          <a:prstGeom prst="rect">
+            <a:avLst/>
+          </a:prstGeom>
+          <a:noFill/>
+        </p:spPr>
+        <p:txBody>
+          <a:bodyPr wrap="none" lIns="91440" tIns="45720" rIns="91440" bIns="45720">
+            <a:spAutoFit/>
+            <a:scene3d>
+              <a:camera prst="perspectiveLeft"/>
+              <a:lightRig rig="threePt" dir="t"/>
+            </a:scene3d>
+          </a:bodyPr>
+          <a:lstStyle/>
+          <a:p>
+            <a:pPr algn="ctr"/>
+            <a:r>
+              <a:rPr lang="en-US" altLang="zh-CN" sz="7200" b="1" dirty="0">
+                <a:ln w="6600">
+                  <a:solidFill>
+                    <a:schemeClr val="accent2"/>
+                  </a:solidFill>
+                  <a:prstDash val="solid"/>
+                </a:ln>
+                <a:solidFill>
+                  <a:srgbClr val="FFFFFF"/>
+                </a:solidFill>
+                <a:effectLst>
+                  <a:outerShdw dist="38100" dir="2700000" algn="tl" rotWithShape="0">
+                    <a:schemeClr val="accent2"/>
+                  </a:outerShdw>
+                  <a:reflection blurRad="25400" stA="24000" endPos="62000" dist="101600" dir="5400000" sy="-100000" algn="bl" rotWithShape="0"/>
+                </a:effectLst>
+              </a:rPr>
+              <a:t>EV Simulator</a:t>
+            </a:r>
+            <a:endParaRPr lang="zh-CN" altLang="en-US" sz="7200" b="1" dirty="0">
+              <a:ln w="6600">
+                <a:solidFill>
+                  <a:schemeClr val="accent2"/>
+                </a:solidFill>
+                <a:prstDash val="solid"/>
+              </a:ln>
+              <a:solidFill>
+                <a:srgbClr val="FFFFFF"/>
+              </a:solidFill>
+              <a:effectLst>
+                <a:outerShdw dist="38100" dir="2700000" algn="tl" rotWithShape="0">
+                  <a:schemeClr val="accent2"/>
+                </a:outerShdw>
+                <a:reflection blurRad="25400" stA="24000" endPos="62000" dist="101600" dir="5400000" sy="-100000" algn="bl" rotWithShape="0"/>
+              </a:effectLst>
+            </a:endParaRPr>
+          </a:p>
+        </p:txBody>
+      </p:sp>
+    </p:spTree>
+    <p:extLst>
+      <p:ext uri="{BB962C8B-B14F-4D97-AF65-F5344CB8AC3E}">
+        <p14:creationId xmlns:p14="http://schemas.microsoft.com/office/powerpoint/2010/main" val="1879581910"/>
+      </p:ext>
+    </p:extLst>
+  </p:cSld>
+  <p:clrMapOvr>
+    <a:masterClrMapping/>
+  </p:clrMapOvr>
+</p:sld>
+</file>
+
 <file path=ppt/theme/theme1.xml><?xml version="1.0" encoding="utf-8"?>
 <a:theme xmlns:a="http://schemas.openxmlformats.org/drawingml/2006/main" name="天体">
   <a:themeElements>
